--- a/Project Submission/Presentation/security.pptx
+++ b/Project Submission/Presentation/security.pptx
@@ -107,6 +107,11 @@
       </a:defRPr>
     </a:lvl9pPr>
   </p:defaultTextStyle>
+  <p:extLst>
+    <p:ext uri="{EFAFB233-063F-42B5-8137-9DF3F51BA10A}">
+      <p15:sldGuideLst xmlns:p15="http://schemas.microsoft.com/office/powerpoint/2012/main"/>
+    </p:ext>
+  </p:extLst>
 </p:presentation>
 </file>
 
@@ -3803,10 +3808,10 @@
       </p:grpSpPr>
       <p:sp>
         <p:nvSpPr>
-          <p:cNvPr id="67" name="Rectangle 66">
+          <p:cNvPr id="131" name="Rectangle 107">
             <a:extLst>
               <a:ext uri="{FF2B5EF4-FFF2-40B4-BE49-F238E27FC236}">
-                <a16:creationId xmlns:a16="http://schemas.microsoft.com/office/drawing/2014/main" id="{6B25638D-3D06-41D1-8060-4D2707C60AE8}"/>
+                <a16:creationId xmlns:a16="http://schemas.microsoft.com/office/drawing/2014/main" id="{71C0D3FB-08E2-4647-9033-B55AA6C38165}"/>
               </a:ext>
               <a:ext uri="{C183D7F6-B498-43B3-948B-1728B52AA6E4}">
                 <adec:decorative xmlns:adec="http://schemas.microsoft.com/office/drawing/2017/decorative" val="1"/>
@@ -3871,10 +3876,10 @@
       </p:sp>
       <p:pic>
         <p:nvPicPr>
-          <p:cNvPr id="69" name="Picture 68">
+          <p:cNvPr id="132" name="Picture 109">
             <a:extLst>
               <a:ext uri="{FF2B5EF4-FFF2-40B4-BE49-F238E27FC236}">
-                <a16:creationId xmlns:a16="http://schemas.microsoft.com/office/drawing/2014/main" id="{8161BB1E-0062-4056-AB94-121EF614D5FB}"/>
+                <a16:creationId xmlns:a16="http://schemas.microsoft.com/office/drawing/2014/main" id="{5BB4D40C-33A3-4AC1-8A93-4DCFBCABF7F9}"/>
               </a:ext>
               <a:ext uri="{C183D7F6-B498-43B3-948B-1728B52AA6E4}">
                 <adec:decorative xmlns:adec="http://schemas.microsoft.com/office/drawing/2017/decorative" val="1"/>
@@ -3915,10 +3920,10 @@
       </p:pic>
       <p:cxnSp>
         <p:nvCxnSpPr>
-          <p:cNvPr id="71" name="Straight Connector 70">
+          <p:cNvPr id="133" name="Straight Connector 111">
             <a:extLst>
               <a:ext uri="{FF2B5EF4-FFF2-40B4-BE49-F238E27FC236}">
-                <a16:creationId xmlns:a16="http://schemas.microsoft.com/office/drawing/2014/main" id="{8FBC01E2-D629-4319-B5CB-BFA461B8CF30}"/>
+                <a16:creationId xmlns:a16="http://schemas.microsoft.com/office/drawing/2014/main" id="{DFB9D73C-B9F2-42DB-B291-2286108EEBC7}"/>
               </a:ext>
               <a:ext uri="{C183D7F6-B498-43B3-948B-1728B52AA6E4}">
                 <adec:decorative xmlns:adec="http://schemas.microsoft.com/office/drawing/2017/decorative" val="1"/>
@@ -3985,290 +3990,110 @@
         </p:nvSpPr>
         <p:spPr>
           <a:xfrm>
-            <a:off x="659301" y="1474968"/>
-            <a:ext cx="2823919" cy="1959037"/>
+            <a:off x="3700944" y="984738"/>
+            <a:ext cx="5265822" cy="790271"/>
           </a:xfrm>
         </p:spPr>
         <p:txBody>
           <a:bodyPr vert="horz" lIns="91440" tIns="45720" rIns="91440" bIns="0" rtlCol="0" anchor="b">
-            <a:normAutofit/>
+            <a:noAutofit/>
           </a:bodyPr>
           <a:lstStyle/>
           <a:p>
             <a:r>
-              <a:rPr lang="en-US" sz="2500"/>
+              <a:rPr lang="en-US" sz="4400" dirty="0"/>
               <a:t>authorization</a:t>
             </a:r>
           </a:p>
         </p:txBody>
       </p:sp>
-      <p:grpSp>
-        <p:nvGrpSpPr>
-          <p:cNvPr id="73" name="Group 72">
+      <p:pic>
+        <p:nvPicPr>
+          <p:cNvPr id="4" name="תמונה 3">
             <a:extLst>
               <a:ext uri="{FF2B5EF4-FFF2-40B4-BE49-F238E27FC236}">
-                <a16:creationId xmlns:a16="http://schemas.microsoft.com/office/drawing/2014/main" id="{2A7F3A7D-1232-4BDE-ACB6-F7CDEF0668CF}"/>
-              </a:ext>
-              <a:ext uri="{C183D7F6-B498-43B3-948B-1728B52AA6E4}">
-                <adec:decorative xmlns:adec="http://schemas.microsoft.com/office/drawing/2017/decorative" val="1"/>
+                <a16:creationId xmlns:a16="http://schemas.microsoft.com/office/drawing/2014/main" id="{C6D36F9A-D461-4CDB-AE26-991D98225D75}"/>
               </a:ext>
             </a:extLst>
           </p:cNvPr>
-          <p:cNvGrpSpPr>
-            <a:grpSpLocks noGrp="1" noUngrp="1" noRot="1" noChangeAspect="1" noMove="1" noResize="1"/>
-          </p:cNvGrpSpPr>
-          <p:nvPr>
-            <p:extLst>
-              <p:ext uri="{386F3935-93C4-4BCD-93E2-E3B085C9AB24}">
-                <p16:designElem xmlns:p16="http://schemas.microsoft.com/office/powerpoint/2015/main" val="1"/>
-              </p:ext>
-            </p:extLst>
-          </p:nvPr>
-        </p:nvGrpSpPr>
-        <p:grpSpPr>
-          <a:xfrm>
-            <a:off x="3979389" y="482171"/>
-            <a:ext cx="7560115" cy="5149101"/>
-            <a:chOff x="3979389" y="482171"/>
-            <a:chExt cx="7560115" cy="5149101"/>
-          </a:xfrm>
-        </p:grpSpPr>
-        <p:sp>
-          <p:nvSpPr>
-            <p:cNvPr id="74" name="Rectangle 73">
-              <a:extLst>
-                <a:ext uri="{FF2B5EF4-FFF2-40B4-BE49-F238E27FC236}">
-                  <a16:creationId xmlns:a16="http://schemas.microsoft.com/office/drawing/2014/main" id="{EBC09455-A53B-4264-85C6-E119FCA7F0B3}"/>
-                </a:ext>
-                <a:ext uri="{C183D7F6-B498-43B3-948B-1728B52AA6E4}">
-                  <adec:decorative xmlns:adec="http://schemas.microsoft.com/office/drawing/2017/decorative" val="1"/>
-                </a:ext>
-              </a:extLst>
-            </p:cNvPr>
-            <p:cNvSpPr/>
-            <p:nvPr>
-              <p:extLst>
-                <p:ext uri="{386F3935-93C4-4BCD-93E2-E3B085C9AB24}">
-                  <p16:designElem xmlns:p16="http://schemas.microsoft.com/office/powerpoint/2015/main" val="1"/>
-                </p:ext>
-              </p:extLst>
-            </p:nvPr>
-          </p:nvSpPr>
-          <p:spPr>
-            <a:xfrm>
-              <a:off x="3979389" y="482171"/>
-              <a:ext cx="7560115" cy="5149101"/>
-            </a:xfrm>
-            <a:prstGeom prst="rect">
-              <a:avLst/>
-            </a:prstGeom>
-            <a:blipFill dpi="0" rotWithShape="1">
-              <a:blip r:embed="rId3">
-                <a:alphaModFix amt="30000"/>
-              </a:blip>
-              <a:srcRect/>
-              <a:tile tx="0" ty="0" sx="100000" sy="100000" flip="none" algn="ctr"/>
-            </a:blipFill>
-            <a:ln w="76200" cmpd="sng">
-              <a:noFill/>
-              <a:miter lim="800000"/>
-            </a:ln>
-            <a:effectLst>
-              <a:outerShdw blurRad="127000" dist="228600" dir="4740000" sx="98000" sy="98000" algn="tl" rotWithShape="0">
-                <a:srgbClr val="000000">
-                  <a:alpha val="34000"/>
-                </a:srgbClr>
-              </a:outerShdw>
-            </a:effectLst>
-            <a:scene3d>
-              <a:camera prst="orthographicFront"/>
-              <a:lightRig rig="threePt" dir="t"/>
-            </a:scene3d>
-            <a:sp3d extrusionH="76200" contourW="12700" prstMaterial="matte">
-              <a:bevelT w="152400" h="50800" prst="softRound"/>
-              <a:extrusionClr>
-                <a:schemeClr val="tx2"/>
-              </a:extrusionClr>
-              <a:contourClr>
-                <a:schemeClr val="bg2"/>
-              </a:contourClr>
-            </a:sp3d>
-          </p:spPr>
-          <p:style>
-            <a:lnRef idx="1">
-              <a:schemeClr val="accent1"/>
-            </a:lnRef>
-            <a:fillRef idx="3">
-              <a:schemeClr val="accent1"/>
-            </a:fillRef>
-            <a:effectRef idx="2">
-              <a:schemeClr val="accent1"/>
-            </a:effectRef>
-            <a:fontRef idx="minor">
-              <a:schemeClr val="lt1"/>
-            </a:fontRef>
-          </p:style>
-          <p:txBody>
-            <a:bodyPr rtlCol="0" anchor="ctr"/>
-            <a:lstStyle/>
-            <a:p>
-              <a:pPr algn="ctr"/>
-              <a:endParaRPr lang="en-US"/>
-            </a:p>
-          </p:txBody>
-        </p:sp>
-        <p:sp>
-          <p:nvSpPr>
-            <p:cNvPr id="75" name="Rectangle 74">
-              <a:extLst>
-                <a:ext uri="{FF2B5EF4-FFF2-40B4-BE49-F238E27FC236}">
-                  <a16:creationId xmlns:a16="http://schemas.microsoft.com/office/drawing/2014/main" id="{81446D1B-DF15-4E6B-A24E-4148357B9953}"/>
-                </a:ext>
-                <a:ext uri="{C183D7F6-B498-43B3-948B-1728B52AA6E4}">
-                  <adec:decorative xmlns:adec="http://schemas.microsoft.com/office/drawing/2017/decorative" val="1"/>
-                </a:ext>
-              </a:extLst>
-            </p:cNvPr>
-            <p:cNvSpPr/>
-            <p:nvPr>
-              <p:extLst>
-                <p:ext uri="{386F3935-93C4-4BCD-93E2-E3B085C9AB24}">
-                  <p16:designElem xmlns:p16="http://schemas.microsoft.com/office/powerpoint/2015/main" val="1"/>
-                </p:ext>
-              </p:extLst>
-            </p:nvPr>
-          </p:nvSpPr>
-          <p:spPr>
-            <a:xfrm>
-              <a:off x="4292448" y="812507"/>
-              <a:ext cx="6928279" cy="4466452"/>
-            </a:xfrm>
-            <a:prstGeom prst="rect">
-              <a:avLst/>
-            </a:prstGeom>
-            <a:gradFill>
-              <a:gsLst>
-                <a:gs pos="0">
-                  <a:srgbClr val="DADADA"/>
-                </a:gs>
-                <a:gs pos="100000">
-                  <a:srgbClr val="FFFFFE"/>
-                </a:gs>
-              </a:gsLst>
-              <a:lin ang="16200000" scaled="0"/>
-            </a:gradFill>
-            <a:ln w="38100" cmpd="sng">
-              <a:solidFill>
-                <a:schemeClr val="tx2">
-                  <a:lumMod val="25000"/>
-                </a:schemeClr>
-              </a:solidFill>
-              <a:miter lim="800000"/>
-            </a:ln>
-            <a:effectLst>
-              <a:innerShdw blurRad="63500" dist="88900" dir="14100000">
-                <a:srgbClr val="000000">
-                  <a:alpha val="30000"/>
-                </a:srgbClr>
-              </a:innerShdw>
-            </a:effectLst>
-            <a:scene3d>
-              <a:camera prst="orthographicFront"/>
-              <a:lightRig rig="threePt" dir="t"/>
-            </a:scene3d>
-            <a:sp3d>
-              <a:bevelT prst="relaxedInset"/>
-            </a:sp3d>
-          </p:spPr>
-          <p:style>
-            <a:lnRef idx="1">
-              <a:schemeClr val="accent1"/>
-            </a:lnRef>
-            <a:fillRef idx="3">
-              <a:schemeClr val="accent1"/>
-            </a:fillRef>
-            <a:effectRef idx="2">
-              <a:schemeClr val="accent1"/>
-            </a:effectRef>
-            <a:fontRef idx="minor">
-              <a:schemeClr val="lt1"/>
-            </a:fontRef>
-          </p:style>
-          <p:txBody>
-            <a:bodyPr rtlCol="0" anchor="ctr"/>
-            <a:lstStyle/>
-            <a:p>
-              <a:pPr algn="ctr"/>
-              <a:endParaRPr lang="en-US"/>
-            </a:p>
-          </p:txBody>
-        </p:sp>
-      </p:grpSp>
-      <p:sp>
-        <p:nvSpPr>
-          <p:cNvPr id="81" name="Rectangle 76">
+          <p:cNvPicPr>
+            <a:picLocks noChangeAspect="1"/>
+          </p:cNvPicPr>
+          <p:nvPr/>
+        </p:nvPicPr>
+        <p:blipFill rotWithShape="1">
+          <a:blip r:embed="rId3"/>
+          <a:srcRect t="17887"/>
+          <a:stretch/>
+        </p:blipFill>
+        <p:spPr>
+          <a:xfrm rot="20731484">
+            <a:off x="1545949" y="3317359"/>
+            <a:ext cx="4076848" cy="2661361"/>
+          </a:xfrm>
+          <a:prstGeom prst="rect">
+            <a:avLst/>
+          </a:prstGeom>
+        </p:spPr>
+      </p:pic>
+      <p:pic>
+        <p:nvPicPr>
+          <p:cNvPr id="5" name="תמונה 4">
             <a:extLst>
               <a:ext uri="{FF2B5EF4-FFF2-40B4-BE49-F238E27FC236}">
-                <a16:creationId xmlns:a16="http://schemas.microsoft.com/office/drawing/2014/main" id="{773D9643-4BC8-486D-8267-3577C8F0842D}"/>
-              </a:ext>
-              <a:ext uri="{C183D7F6-B498-43B3-948B-1728B52AA6E4}">
-                <adec:decorative xmlns:adec="http://schemas.microsoft.com/office/drawing/2017/decorative" val="1"/>
+                <a16:creationId xmlns:a16="http://schemas.microsoft.com/office/drawing/2014/main" id="{35917DB2-9738-4B48-9D92-179E0D9195B3}"/>
               </a:ext>
             </a:extLst>
           </p:cNvPr>
-          <p:cNvSpPr>
-            <a:spLocks noGrp="1" noRot="1" noChangeAspect="1" noMove="1" noResize="1" noEditPoints="1" noAdjustHandles="1" noChangeArrowheads="1" noChangeShapeType="1" noTextEdit="1"/>
-          </p:cNvSpPr>
-          <p:nvPr>
-            <p:extLst>
-              <p:ext uri="{386F3935-93C4-4BCD-93E2-E3B085C9AB24}">
-                <p16:designElem xmlns:p16="http://schemas.microsoft.com/office/powerpoint/2015/main" val="1"/>
-              </p:ext>
-            </p:extLst>
-          </p:nvPr>
-        </p:nvSpPr>
-        <p:spPr>
-          <a:xfrm>
-            <a:off x="4456174" y="977099"/>
-            <a:ext cx="6620836" cy="4137268"/>
+          <p:cNvPicPr>
+            <a:picLocks noChangeAspect="1"/>
+          </p:cNvPicPr>
+          <p:nvPr/>
+        </p:nvPicPr>
+        <p:blipFill rotWithShape="1">
+          <a:blip r:embed="rId4"/>
+          <a:srcRect t="17899"/>
+          <a:stretch/>
+        </p:blipFill>
+        <p:spPr>
+          <a:xfrm rot="928196">
+            <a:off x="977299" y="634558"/>
+            <a:ext cx="2591663" cy="3083742"/>
           </a:xfrm>
           <a:prstGeom prst="rect">
             <a:avLst/>
           </a:prstGeom>
-          <a:solidFill>
-            <a:srgbClr val="FFFFFE"/>
-          </a:solidFill>
-          <a:ln w="6350">
-            <a:solidFill>
-              <a:schemeClr val="tx2"/>
-            </a:solidFill>
-          </a:ln>
-        </p:spPr>
-        <p:style>
-          <a:lnRef idx="2">
-            <a:schemeClr val="accent1">
-              <a:shade val="50000"/>
-            </a:schemeClr>
-          </a:lnRef>
-          <a:fillRef idx="1">
-            <a:schemeClr val="accent1"/>
-          </a:fillRef>
-          <a:effectRef idx="0">
-            <a:schemeClr val="accent1"/>
-          </a:effectRef>
-          <a:fontRef idx="minor">
-            <a:schemeClr val="lt1"/>
-          </a:fontRef>
-        </p:style>
-        <p:txBody>
-          <a:bodyPr rtlCol="0" anchor="ctr"/>
-          <a:lstStyle/>
-          <a:p>
-            <a:pPr algn="ctr"/>
-            <a:endParaRPr lang="en-US"/>
-          </a:p>
-        </p:txBody>
-      </p:sp>
+        </p:spPr>
+      </p:pic>
+      <p:pic>
+        <p:nvPicPr>
+          <p:cNvPr id="6" name="תמונה 5">
+            <a:extLst>
+              <a:ext uri="{FF2B5EF4-FFF2-40B4-BE49-F238E27FC236}">
+                <a16:creationId xmlns:a16="http://schemas.microsoft.com/office/drawing/2014/main" id="{0FC353A1-F3DE-4A49-AC4F-1DB855ED6EB2}"/>
+              </a:ext>
+            </a:extLst>
+          </p:cNvPr>
+          <p:cNvPicPr>
+            <a:picLocks noChangeAspect="1"/>
+          </p:cNvPicPr>
+          <p:nvPr/>
+        </p:nvPicPr>
+        <p:blipFill rotWithShape="1">
+          <a:blip r:embed="rId5"/>
+          <a:srcRect t="16572"/>
+          <a:stretch/>
+        </p:blipFill>
+        <p:spPr>
+          <a:xfrm rot="288283">
+            <a:off x="4766906" y="2126002"/>
+            <a:ext cx="4803679" cy="2605995"/>
+          </a:xfrm>
+          <a:prstGeom prst="rect">
+            <a:avLst/>
+          </a:prstGeom>
+        </p:spPr>
+      </p:pic>
       <p:pic>
         <p:nvPicPr>
           <p:cNvPr id="3" name="תמונה 2">
@@ -4284,14 +4109,14 @@
           <p:nvPr/>
         </p:nvPicPr>
         <p:blipFill rotWithShape="1">
-          <a:blip r:embed="rId4"/>
+          <a:blip r:embed="rId6"/>
           <a:srcRect t="14621" r="-1" b="14622"/>
           <a:stretch/>
         </p:blipFill>
         <p:spPr>
-          <a:xfrm>
-            <a:off x="4618374" y="1282320"/>
-            <a:ext cx="6282919" cy="3534221"/>
+          <a:xfrm rot="21378283">
+            <a:off x="7176084" y="4148103"/>
+            <a:ext cx="4454984" cy="2505984"/>
           </a:xfrm>
           <a:prstGeom prst="rect">
             <a:avLst/>
